--- a/PPT课件/Part6-24：DDD实战-项目分层.pptx
+++ b/PPT课件/Part6-24：DDD实战-项目分层.pptx
@@ -5,15 +5,16 @@
     <p:sldMasterId id="2147483678" r:id="rId1"/>
   </p:sldMasterIdLst>
   <p:notesMasterIdLst>
-    <p:notesMasterId r:id="rId8"/>
+    <p:notesMasterId r:id="rId9"/>
   </p:notesMasterIdLst>
   <p:sldIdLst>
     <p:sldId id="257" r:id="rId2"/>
     <p:sldId id="278" r:id="rId3"/>
-    <p:sldId id="279" r:id="rId4"/>
-    <p:sldId id="280" r:id="rId5"/>
+    <p:sldId id="282" r:id="rId4"/>
+    <p:sldId id="279" r:id="rId5"/>
     <p:sldId id="281" r:id="rId6"/>
-    <p:sldId id="275" r:id="rId7"/>
+    <p:sldId id="280" r:id="rId7"/>
+    <p:sldId id="275" r:id="rId8"/>
   </p:sldIdLst>
   <p:sldSz cx="12192000" cy="6858000"/>
   <p:notesSz cx="6858000" cy="9144000"/>
@@ -202,7 +203,7 @@
           <a:p>
             <a:fld id="{0A2FCA5F-0AB4-4B27-9880-843A32CD3FC4}" type="datetimeFigureOut">
               <a:rPr lang="zh-CN" altLang="en-US" smtClean="0"/>
-              <a:t>2022/2/19</a:t>
+              <a:t>2022/3/1</a:t>
             </a:fld>
             <a:endParaRPr lang="zh-CN" altLang="en-US"/>
           </a:p>
@@ -686,7 +687,7 @@
           <a:p>
             <a:fld id="{51EE646F-F65C-4115-9CFB-3F24605268F9}" type="datetimeFigureOut">
               <a:rPr lang="zh-CN" altLang="en-US" smtClean="0"/>
-              <a:t>2022/2/19</a:t>
+              <a:t>2022/3/1</a:t>
             </a:fld>
             <a:endParaRPr lang="zh-CN" altLang="en-US"/>
           </a:p>
@@ -973,7 +974,7 @@
           <a:p>
             <a:fld id="{51EE646F-F65C-4115-9CFB-3F24605268F9}" type="datetimeFigureOut">
               <a:rPr lang="zh-CN" altLang="en-US" smtClean="0"/>
-              <a:t>2022/2/19</a:t>
+              <a:t>2022/3/1</a:t>
             </a:fld>
             <a:endParaRPr lang="zh-CN" altLang="en-US"/>
           </a:p>
@@ -1165,7 +1166,7 @@
           <a:p>
             <a:fld id="{51EE646F-F65C-4115-9CFB-3F24605268F9}" type="datetimeFigureOut">
               <a:rPr lang="zh-CN" altLang="en-US" smtClean="0"/>
-              <a:t>2022/2/19</a:t>
+              <a:t>2022/3/1</a:t>
             </a:fld>
             <a:endParaRPr lang="zh-CN" altLang="en-US"/>
           </a:p>
@@ -1426,7 +1427,7 @@
           <a:p>
             <a:fld id="{51EE646F-F65C-4115-9CFB-3F24605268F9}" type="datetimeFigureOut">
               <a:rPr lang="zh-CN" altLang="en-US" smtClean="0"/>
-              <a:t>2022/2/19</a:t>
+              <a:t>2022/3/1</a:t>
             </a:fld>
             <a:endParaRPr lang="zh-CN" altLang="en-US"/>
           </a:p>
@@ -1850,7 +1851,7 @@
           <a:p>
             <a:fld id="{51EE646F-F65C-4115-9CFB-3F24605268F9}" type="datetimeFigureOut">
               <a:rPr lang="zh-CN" altLang="en-US" smtClean="0"/>
-              <a:t>2022/2/19</a:t>
+              <a:t>2022/3/1</a:t>
             </a:fld>
             <a:endParaRPr lang="zh-CN" altLang="en-US"/>
           </a:p>
@@ -2396,7 +2397,7 @@
           <a:p>
             <a:fld id="{51EE646F-F65C-4115-9CFB-3F24605268F9}" type="datetimeFigureOut">
               <a:rPr lang="zh-CN" altLang="en-US" smtClean="0"/>
-              <a:t>2022/2/19</a:t>
+              <a:t>2022/3/1</a:t>
             </a:fld>
             <a:endParaRPr lang="zh-CN" altLang="en-US"/>
           </a:p>
@@ -3236,7 +3237,7 @@
           <a:p>
             <a:fld id="{51EE646F-F65C-4115-9CFB-3F24605268F9}" type="datetimeFigureOut">
               <a:rPr lang="zh-CN" altLang="en-US" smtClean="0"/>
-              <a:t>2022/2/19</a:t>
+              <a:t>2022/3/1</a:t>
             </a:fld>
             <a:endParaRPr lang="zh-CN" altLang="en-US"/>
           </a:p>
@@ -3406,7 +3407,7 @@
           <a:p>
             <a:fld id="{51EE646F-F65C-4115-9CFB-3F24605268F9}" type="datetimeFigureOut">
               <a:rPr lang="zh-CN" altLang="en-US" smtClean="0"/>
-              <a:t>2022/2/19</a:t>
+              <a:t>2022/3/1</a:t>
             </a:fld>
             <a:endParaRPr lang="zh-CN" altLang="en-US"/>
           </a:p>
@@ -3590,7 +3591,7 @@
           <a:p>
             <a:fld id="{51EE646F-F65C-4115-9CFB-3F24605268F9}" type="datetimeFigureOut">
               <a:rPr lang="zh-CN" altLang="en-US" smtClean="0"/>
-              <a:t>2022/2/19</a:t>
+              <a:t>2022/3/1</a:t>
             </a:fld>
             <a:endParaRPr lang="zh-CN" altLang="en-US"/>
           </a:p>
@@ -3760,7 +3761,7 @@
           <a:p>
             <a:fld id="{51EE646F-F65C-4115-9CFB-3F24605268F9}" type="datetimeFigureOut">
               <a:rPr lang="zh-CN" altLang="en-US" smtClean="0"/>
-              <a:t>2022/2/19</a:t>
+              <a:t>2022/3/1</a:t>
             </a:fld>
             <a:endParaRPr lang="zh-CN" altLang="en-US"/>
           </a:p>
@@ -4008,7 +4009,7 @@
           <a:p>
             <a:fld id="{51EE646F-F65C-4115-9CFB-3F24605268F9}" type="datetimeFigureOut">
               <a:rPr lang="zh-CN" altLang="en-US" smtClean="0"/>
-              <a:t>2022/2/19</a:t>
+              <a:t>2022/3/1</a:t>
             </a:fld>
             <a:endParaRPr lang="zh-CN" altLang="en-US"/>
           </a:p>
@@ -4245,7 +4246,7 @@
           <a:p>
             <a:fld id="{51EE646F-F65C-4115-9CFB-3F24605268F9}" type="datetimeFigureOut">
               <a:rPr lang="zh-CN" altLang="en-US" smtClean="0"/>
-              <a:t>2022/2/19</a:t>
+              <a:t>2022/3/1</a:t>
             </a:fld>
             <a:endParaRPr lang="zh-CN" altLang="en-US"/>
           </a:p>
@@ -4618,7 +4619,7 @@
           <a:p>
             <a:fld id="{51EE646F-F65C-4115-9CFB-3F24605268F9}" type="datetimeFigureOut">
               <a:rPr lang="zh-CN" altLang="en-US" smtClean="0"/>
-              <a:t>2022/2/19</a:t>
+              <a:t>2022/3/1</a:t>
             </a:fld>
             <a:endParaRPr lang="zh-CN" altLang="en-US"/>
           </a:p>
@@ -4736,7 +4737,7 @@
           <a:p>
             <a:fld id="{51EE646F-F65C-4115-9CFB-3F24605268F9}" type="datetimeFigureOut">
               <a:rPr lang="zh-CN" altLang="en-US" smtClean="0"/>
-              <a:t>2022/2/19</a:t>
+              <a:t>2022/3/1</a:t>
             </a:fld>
             <a:endParaRPr lang="zh-CN" altLang="en-US"/>
           </a:p>
@@ -4831,7 +4832,7 @@
           <a:p>
             <a:fld id="{51EE646F-F65C-4115-9CFB-3F24605268F9}" type="datetimeFigureOut">
               <a:rPr lang="zh-CN" altLang="en-US" smtClean="0"/>
-              <a:t>2022/2/19</a:t>
+              <a:t>2022/3/1</a:t>
             </a:fld>
             <a:endParaRPr lang="zh-CN" altLang="en-US"/>
           </a:p>
@@ -5082,7 +5083,7 @@
           <a:p>
             <a:fld id="{51EE646F-F65C-4115-9CFB-3F24605268F9}" type="datetimeFigureOut">
               <a:rPr lang="zh-CN" altLang="en-US" smtClean="0"/>
-              <a:t>2022/2/19</a:t>
+              <a:t>2022/3/1</a:t>
             </a:fld>
             <a:endParaRPr lang="zh-CN" altLang="en-US"/>
           </a:p>
@@ -5369,7 +5370,7 @@
           <a:p>
             <a:fld id="{51EE646F-F65C-4115-9CFB-3F24605268F9}" type="datetimeFigureOut">
               <a:rPr lang="zh-CN" altLang="en-US" smtClean="0"/>
-              <a:t>2022/2/19</a:t>
+              <a:t>2022/3/1</a:t>
             </a:fld>
             <a:endParaRPr lang="zh-CN" altLang="en-US"/>
           </a:p>
@@ -5582,7 +5583,7 @@
           <a:p>
             <a:fld id="{51EE646F-F65C-4115-9CFB-3F24605268F9}" type="datetimeFigureOut">
               <a:rPr lang="zh-CN" altLang="en-US" smtClean="0"/>
-              <a:t>2022/2/19</a:t>
+              <a:t>2022/3/1</a:t>
             </a:fld>
             <a:endParaRPr lang="zh-CN" altLang="en-US"/>
           </a:p>
@@ -6324,6 +6325,66 @@
           <a:chExt cx="0" cy="0"/>
         </a:xfrm>
       </p:grpSpPr>
+      <p:pic>
+        <p:nvPicPr>
+          <p:cNvPr id="9" name="图片 8">
+            <a:extLst>
+              <a:ext uri="{FF2B5EF4-FFF2-40B4-BE49-F238E27FC236}">
+                <a16:creationId xmlns:a16="http://schemas.microsoft.com/office/drawing/2014/main" id="{4AEF25DE-F44A-480B-9BE1-232083CA894E}"/>
+              </a:ext>
+            </a:extLst>
+          </p:cNvPr>
+          <p:cNvPicPr>
+            <a:picLocks noChangeAspect="1"/>
+          </p:cNvPicPr>
+          <p:nvPr/>
+        </p:nvPicPr>
+        <p:blipFill>
+          <a:blip r:embed="rId2"/>
+          <a:stretch>
+            <a:fillRect/>
+          </a:stretch>
+        </p:blipFill>
+        <p:spPr>
+          <a:xfrm>
+            <a:off x="19957" y="926465"/>
+            <a:ext cx="12172043" cy="5005070"/>
+          </a:xfrm>
+          <a:prstGeom prst="rect">
+            <a:avLst/>
+          </a:prstGeom>
+        </p:spPr>
+      </p:pic>
+    </p:spTree>
+    <p:extLst>
+      <p:ext uri="{BB962C8B-B14F-4D97-AF65-F5344CB8AC3E}">
+        <p14:creationId xmlns:p14="http://schemas.microsoft.com/office/powerpoint/2010/main" val="4048506828"/>
+      </p:ext>
+    </p:extLst>
+  </p:cSld>
+  <p:clrMapOvr>
+    <a:masterClrMapping/>
+  </p:clrMapOvr>
+</p:sld>
+</file>
+
+<file path=ppt/slides/slide4.xml><?xml version="1.0" encoding="utf-8"?>
+<p:sld xmlns:a="http://schemas.openxmlformats.org/drawingml/2006/main" xmlns:r="http://schemas.openxmlformats.org/officeDocument/2006/relationships" xmlns:p="http://schemas.openxmlformats.org/presentationml/2006/main">
+  <p:cSld>
+    <p:spTree>
+      <p:nvGrpSpPr>
+        <p:cNvPr id="1" name=""/>
+        <p:cNvGrpSpPr/>
+        <p:nvPr/>
+      </p:nvGrpSpPr>
+      <p:grpSpPr>
+        <a:xfrm>
+          <a:off x="0" y="0"/>
+          <a:ext cx="0" cy="0"/>
+          <a:chOff x="0" y="0"/>
+          <a:chExt cx="0" cy="0"/>
+        </a:xfrm>
+      </p:grpSpPr>
       <p:sp>
         <p:nvSpPr>
           <p:cNvPr id="2" name="标题 1">
@@ -6464,171 +6525,6 @@
 </p:sld>
 </file>
 
-<file path=ppt/slides/slide4.xml><?xml version="1.0" encoding="utf-8"?>
-<p:sld xmlns:a="http://schemas.openxmlformats.org/drawingml/2006/main" xmlns:r="http://schemas.openxmlformats.org/officeDocument/2006/relationships" xmlns:p="http://schemas.openxmlformats.org/presentationml/2006/main">
-  <p:cSld>
-    <p:spTree>
-      <p:nvGrpSpPr>
-        <p:cNvPr id="1" name=""/>
-        <p:cNvGrpSpPr/>
-        <p:nvPr/>
-      </p:nvGrpSpPr>
-      <p:grpSpPr>
-        <a:xfrm>
-          <a:off x="0" y="0"/>
-          <a:ext cx="0" cy="0"/>
-          <a:chOff x="0" y="0"/>
-          <a:chExt cx="0" cy="0"/>
-        </a:xfrm>
-      </p:grpSpPr>
-      <p:sp>
-        <p:nvSpPr>
-          <p:cNvPr id="2" name="标题 1">
-            <a:extLst>
-              <a:ext uri="{FF2B5EF4-FFF2-40B4-BE49-F238E27FC236}">
-                <a16:creationId xmlns:a16="http://schemas.microsoft.com/office/drawing/2014/main" id="{180446AE-D477-4F03-9D8F-258708FF1D60}"/>
-              </a:ext>
-            </a:extLst>
-          </p:cNvPr>
-          <p:cNvSpPr>
-            <a:spLocks noGrp="1"/>
-          </p:cNvSpPr>
-          <p:nvPr>
-            <p:ph type="title"/>
-          </p:nvPr>
-        </p:nvSpPr>
-        <p:spPr>
-          <a:xfrm>
-            <a:off x="104170" y="142876"/>
-            <a:ext cx="5782280" cy="457200"/>
-          </a:xfrm>
-        </p:spPr>
-        <p:txBody>
-          <a:bodyPr>
-            <a:normAutofit fontScale="90000"/>
-          </a:bodyPr>
-          <a:lstStyle/>
-          <a:p>
-            <a:pPr algn="l"/>
-            <a:r>
-              <a:rPr lang="zh-CN" altLang="en-US" cap="none" dirty="0"/>
-              <a:t>技术选型</a:t>
-            </a:r>
-          </a:p>
-        </p:txBody>
-      </p:sp>
-      <p:sp>
-        <p:nvSpPr>
-          <p:cNvPr id="3" name="内容占位符 2">
-            <a:extLst>
-              <a:ext uri="{FF2B5EF4-FFF2-40B4-BE49-F238E27FC236}">
-                <a16:creationId xmlns:a16="http://schemas.microsoft.com/office/drawing/2014/main" id="{83308F8D-BBAE-48DC-9AA2-2743FAC24F6D}"/>
-              </a:ext>
-            </a:extLst>
-          </p:cNvPr>
-          <p:cNvSpPr>
-            <a:spLocks noGrp="1"/>
-          </p:cNvSpPr>
-          <p:nvPr>
-            <p:ph idx="1"/>
-          </p:nvPr>
-        </p:nvSpPr>
-        <p:spPr>
-          <a:xfrm>
-            <a:off x="104170" y="791138"/>
-            <a:ext cx="12011630" cy="5923985"/>
-          </a:xfrm>
-        </p:spPr>
-        <p:txBody>
-          <a:bodyPr>
-            <a:noAutofit/>
-          </a:bodyPr>
-          <a:lstStyle/>
-          <a:p>
-            <a:pPr marL="0" indent="0">
-              <a:buNone/>
-            </a:pPr>
-            <a:r>
-              <a:rPr lang="zh-CN" altLang="en-US" sz="3600" dirty="0"/>
-              <a:t>对于</a:t>
-            </a:r>
-            <a:r>
-              <a:rPr lang="en-US" altLang="zh-CN" sz="3600" dirty="0"/>
-              <a:t>ASP.NET Core Web API</a:t>
-            </a:r>
-            <a:r>
-              <a:rPr lang="zh-CN" altLang="en-US" sz="3600" dirty="0"/>
-              <a:t>项目来讲，是否需要拆分出应用服务和用户界面层？</a:t>
-            </a:r>
-            <a:endParaRPr lang="en-US" altLang="zh-CN" sz="3600" dirty="0"/>
-          </a:p>
-          <a:p>
-            <a:pPr marL="0" indent="0">
-              <a:buNone/>
-            </a:pPr>
-            <a:r>
-              <a:rPr lang="en-US" altLang="zh-CN" sz="3600" dirty="0"/>
-              <a:t>1</a:t>
-            </a:r>
-            <a:r>
-              <a:rPr lang="zh-CN" altLang="en-US" sz="3600" dirty="0"/>
-              <a:t>）有的人认为前端代码是用户界面，而</a:t>
-            </a:r>
-            <a:r>
-              <a:rPr lang="en-US" altLang="zh-CN" sz="3600" dirty="0"/>
-              <a:t>Web API</a:t>
-            </a:r>
-            <a:r>
-              <a:rPr lang="zh-CN" altLang="en-US" sz="3600" dirty="0"/>
-              <a:t>的控制器的代码就是应用服务；</a:t>
-            </a:r>
-            <a:endParaRPr lang="en-US" altLang="zh-CN" sz="3600" dirty="0"/>
-          </a:p>
-          <a:p>
-            <a:pPr marL="0" indent="0">
-              <a:buNone/>
-            </a:pPr>
-            <a:r>
-              <a:rPr lang="en-US" altLang="zh-CN" sz="3600" dirty="0"/>
-              <a:t>2</a:t>
-            </a:r>
-            <a:r>
-              <a:rPr lang="zh-CN" altLang="en-US" sz="3600" dirty="0"/>
-              <a:t>）有的人认为控制器也是一种用户界面，因此需要再拆分出来一个应用服务层，由控制器再调用应用服务层。</a:t>
-            </a:r>
-            <a:endParaRPr lang="en-US" altLang="zh-CN" sz="3600" dirty="0"/>
-          </a:p>
-          <a:p>
-            <a:pPr marL="0" indent="0">
-              <a:buNone/>
-            </a:pPr>
-            <a:endParaRPr lang="en-US" altLang="zh-CN" sz="3600" dirty="0"/>
-          </a:p>
-          <a:p>
-            <a:pPr marL="0" indent="0">
-              <a:buNone/>
-            </a:pPr>
-            <a:r>
-              <a:rPr lang="zh-CN" altLang="en-US" sz="3600" dirty="0"/>
-              <a:t>我赞同前者。</a:t>
-            </a:r>
-            <a:endParaRPr lang="en-US" altLang="zh-CN" sz="3600" dirty="0"/>
-          </a:p>
-        </p:txBody>
-      </p:sp>
-    </p:spTree>
-    <p:extLst>
-      <p:ext uri="{BB962C8B-B14F-4D97-AF65-F5344CB8AC3E}">
-        <p14:creationId xmlns:p14="http://schemas.microsoft.com/office/powerpoint/2010/main" val="2883894750"/>
-      </p:ext>
-    </p:extLst>
-  </p:cSld>
-  <p:clrMapOvr>
-    <a:masterClrMapping/>
-  </p:clrMapOvr>
-</p:sld>
-</file>
-
 <file path=ppt/slides/slide5.xml><?xml version="1.0" encoding="utf-8"?>
 <p:sld xmlns:a="http://schemas.openxmlformats.org/drawingml/2006/main" xmlns:r="http://schemas.openxmlformats.org/officeDocument/2006/relationships" xmlns:p="http://schemas.openxmlformats.org/presentationml/2006/main">
   <p:cSld>
@@ -6690,6 +6586,171 @@
 </file>
 
 <file path=ppt/slides/slide6.xml><?xml version="1.0" encoding="utf-8"?>
+<p:sld xmlns:a="http://schemas.openxmlformats.org/drawingml/2006/main" xmlns:r="http://schemas.openxmlformats.org/officeDocument/2006/relationships" xmlns:p="http://schemas.openxmlformats.org/presentationml/2006/main">
+  <p:cSld>
+    <p:spTree>
+      <p:nvGrpSpPr>
+        <p:cNvPr id="1" name=""/>
+        <p:cNvGrpSpPr/>
+        <p:nvPr/>
+      </p:nvGrpSpPr>
+      <p:grpSpPr>
+        <a:xfrm>
+          <a:off x="0" y="0"/>
+          <a:ext cx="0" cy="0"/>
+          <a:chOff x="0" y="0"/>
+          <a:chExt cx="0" cy="0"/>
+        </a:xfrm>
+      </p:grpSpPr>
+      <p:sp>
+        <p:nvSpPr>
+          <p:cNvPr id="2" name="标题 1">
+            <a:extLst>
+              <a:ext uri="{FF2B5EF4-FFF2-40B4-BE49-F238E27FC236}">
+                <a16:creationId xmlns:a16="http://schemas.microsoft.com/office/drawing/2014/main" id="{180446AE-D477-4F03-9D8F-258708FF1D60}"/>
+              </a:ext>
+            </a:extLst>
+          </p:cNvPr>
+          <p:cNvSpPr>
+            <a:spLocks noGrp="1"/>
+          </p:cNvSpPr>
+          <p:nvPr>
+            <p:ph type="title"/>
+          </p:nvPr>
+        </p:nvSpPr>
+        <p:spPr>
+          <a:xfrm>
+            <a:off x="104170" y="142876"/>
+            <a:ext cx="5782280" cy="457200"/>
+          </a:xfrm>
+        </p:spPr>
+        <p:txBody>
+          <a:bodyPr>
+            <a:normAutofit fontScale="90000"/>
+          </a:bodyPr>
+          <a:lstStyle/>
+          <a:p>
+            <a:pPr algn="l"/>
+            <a:r>
+              <a:rPr lang="zh-CN" altLang="en-US" cap="none" dirty="0"/>
+              <a:t>技术选型</a:t>
+            </a:r>
+          </a:p>
+        </p:txBody>
+      </p:sp>
+      <p:sp>
+        <p:nvSpPr>
+          <p:cNvPr id="3" name="内容占位符 2">
+            <a:extLst>
+              <a:ext uri="{FF2B5EF4-FFF2-40B4-BE49-F238E27FC236}">
+                <a16:creationId xmlns:a16="http://schemas.microsoft.com/office/drawing/2014/main" id="{83308F8D-BBAE-48DC-9AA2-2743FAC24F6D}"/>
+              </a:ext>
+            </a:extLst>
+          </p:cNvPr>
+          <p:cNvSpPr>
+            <a:spLocks noGrp="1"/>
+          </p:cNvSpPr>
+          <p:nvPr>
+            <p:ph idx="1"/>
+          </p:nvPr>
+        </p:nvSpPr>
+        <p:spPr>
+          <a:xfrm>
+            <a:off x="104170" y="791138"/>
+            <a:ext cx="12011630" cy="5923985"/>
+          </a:xfrm>
+        </p:spPr>
+        <p:txBody>
+          <a:bodyPr>
+            <a:noAutofit/>
+          </a:bodyPr>
+          <a:lstStyle/>
+          <a:p>
+            <a:pPr marL="0" indent="0">
+              <a:buNone/>
+            </a:pPr>
+            <a:r>
+              <a:rPr lang="zh-CN" altLang="en-US" sz="3600" dirty="0"/>
+              <a:t>对于</a:t>
+            </a:r>
+            <a:r>
+              <a:rPr lang="en-US" altLang="zh-CN" sz="3600" dirty="0"/>
+              <a:t>ASP.NET Core Web API</a:t>
+            </a:r>
+            <a:r>
+              <a:rPr lang="zh-CN" altLang="en-US" sz="3600" dirty="0"/>
+              <a:t>项目来讲，是否需要拆分出应用服务和用户界面层？</a:t>
+            </a:r>
+            <a:endParaRPr lang="en-US" altLang="zh-CN" sz="3600" dirty="0"/>
+          </a:p>
+          <a:p>
+            <a:pPr marL="0" indent="0">
+              <a:buNone/>
+            </a:pPr>
+            <a:r>
+              <a:rPr lang="en-US" altLang="zh-CN" sz="3600" dirty="0"/>
+              <a:t>1</a:t>
+            </a:r>
+            <a:r>
+              <a:rPr lang="zh-CN" altLang="en-US" sz="3600" dirty="0"/>
+              <a:t>）有的人认为前端代码是用户界面，而</a:t>
+            </a:r>
+            <a:r>
+              <a:rPr lang="en-US" altLang="zh-CN" sz="3600" dirty="0"/>
+              <a:t>Web API</a:t>
+            </a:r>
+            <a:r>
+              <a:rPr lang="zh-CN" altLang="en-US" sz="3600" dirty="0"/>
+              <a:t>的控制器的代码就是应用服务；</a:t>
+            </a:r>
+            <a:endParaRPr lang="en-US" altLang="zh-CN" sz="3600" dirty="0"/>
+          </a:p>
+          <a:p>
+            <a:pPr marL="0" indent="0">
+              <a:buNone/>
+            </a:pPr>
+            <a:r>
+              <a:rPr lang="en-US" altLang="zh-CN" sz="3600" dirty="0"/>
+              <a:t>2</a:t>
+            </a:r>
+            <a:r>
+              <a:rPr lang="zh-CN" altLang="en-US" sz="3600" dirty="0"/>
+              <a:t>）有的人认为控制器也是一种用户界面，因此需要再拆分出来一个应用服务层，由控制器再调用应用服务层。</a:t>
+            </a:r>
+            <a:endParaRPr lang="en-US" altLang="zh-CN" sz="3600" dirty="0"/>
+          </a:p>
+          <a:p>
+            <a:pPr marL="0" indent="0">
+              <a:buNone/>
+            </a:pPr>
+            <a:endParaRPr lang="en-US" altLang="zh-CN" sz="3600" dirty="0"/>
+          </a:p>
+          <a:p>
+            <a:pPr marL="0" indent="0">
+              <a:buNone/>
+            </a:pPr>
+            <a:r>
+              <a:rPr lang="zh-CN" altLang="en-US" sz="3600" dirty="0"/>
+              <a:t>我赞同前者。</a:t>
+            </a:r>
+            <a:endParaRPr lang="en-US" altLang="zh-CN" sz="3600" dirty="0"/>
+          </a:p>
+        </p:txBody>
+      </p:sp>
+    </p:spTree>
+    <p:extLst>
+      <p:ext uri="{BB962C8B-B14F-4D97-AF65-F5344CB8AC3E}">
+        <p14:creationId xmlns:p14="http://schemas.microsoft.com/office/powerpoint/2010/main" val="2883894750"/>
+      </p:ext>
+    </p:extLst>
+  </p:cSld>
+  <p:clrMapOvr>
+    <a:masterClrMapping/>
+  </p:clrMapOvr>
+</p:sld>
+</file>
+
+<file path=ppt/slides/slide7.xml><?xml version="1.0" encoding="utf-8"?>
 <p:sld xmlns:a="http://schemas.openxmlformats.org/drawingml/2006/main" xmlns:r="http://schemas.openxmlformats.org/officeDocument/2006/relationships" xmlns:p="http://schemas.openxmlformats.org/presentationml/2006/main">
   <p:cSld>
     <p:spTree>
